--- a/Dermot_Sheerin.pptx
+++ b/Dermot_Sheerin.pptx
@@ -10,8 +10,8 @@
   <p:sldIdLst>
     <p:sldId id="256" r:id="rId2"/>
     <p:sldId id="258" r:id="rId3"/>
-    <p:sldId id="300" r:id="rId4"/>
-    <p:sldId id="304" r:id="rId5"/>
+    <p:sldId id="304" r:id="rId4"/>
+    <p:sldId id="300" r:id="rId5"/>
     <p:sldId id="295" r:id="rId6"/>
     <p:sldId id="257" r:id="rId7"/>
     <p:sldId id="301" r:id="rId8"/>
@@ -1784,7 +1784,7 @@
     </p:spTree>
     <p:extLst>
       <p:ext uri="{BB962C8B-B14F-4D97-AF65-F5344CB8AC3E}">
-        <p14:creationId xmlns:p14="http://schemas.microsoft.com/office/powerpoint/2010/main" val="1915801690"/>
+        <p14:creationId xmlns:p14="http://schemas.microsoft.com/office/powerpoint/2010/main" val="2845591082"/>
       </p:ext>
     </p:extLst>
   </p:cSld>
@@ -1893,7 +1893,7 @@
     </p:spTree>
     <p:extLst>
       <p:ext uri="{BB962C8B-B14F-4D97-AF65-F5344CB8AC3E}">
-        <p14:creationId xmlns:p14="http://schemas.microsoft.com/office/powerpoint/2010/main" val="2845591082"/>
+        <p14:creationId xmlns:p14="http://schemas.microsoft.com/office/powerpoint/2010/main" val="1915801690"/>
       </p:ext>
     </p:extLst>
   </p:cSld>
@@ -7050,7 +7050,7 @@
           <a:p>
             <a:r>
               <a:rPr lang="en-IE" b="1" dirty="0"/>
-              <a:t>Agenda</a:t>
+              <a:t>What is this project about exactly?</a:t>
             </a:r>
             <a:endParaRPr lang="en-US" b="1" dirty="0"/>
           </a:p>
@@ -7100,10 +7100,10 @@
       </p:sp>
       <p:sp>
         <p:nvSpPr>
-          <p:cNvPr id="4" name="Google Shape;109;p17">
+          <p:cNvPr id="7" name="Google Shape;109;p17">
             <a:extLst>
               <a:ext uri="{FF2B5EF4-FFF2-40B4-BE49-F238E27FC236}">
-                <a16:creationId xmlns:a16="http://schemas.microsoft.com/office/drawing/2014/main" id="{E3B799E9-877D-4C1F-BFF6-FE529C49E570}"/>
+                <a16:creationId xmlns:a16="http://schemas.microsoft.com/office/drawing/2014/main" id="{DC8615DC-E469-47D1-B848-2CC4F1187F2B}"/>
               </a:ext>
             </a:extLst>
           </p:cNvPr>
@@ -7116,8 +7116,8 @@
         </p:nvSpPr>
         <p:spPr>
           <a:xfrm>
-            <a:off x="1478110" y="1249130"/>
-            <a:ext cx="4586933" cy="536808"/>
+            <a:off x="1165498" y="886690"/>
+            <a:ext cx="6858000" cy="3940804"/>
           </a:xfrm>
           <a:prstGeom prst="rect">
             <a:avLst/>
@@ -7129,86 +7129,123 @@
           </a:bodyPr>
           <a:lstStyle/>
           <a:p>
-            <a:pPr lvl="0" indent="-381000">
-              <a:buSzPts val="2400"/>
+            <a:pPr marL="0" lvl="0" indent="0">
+              <a:buNone/>
             </a:pPr>
             <a:r>
-              <a:rPr lang="en-US" sz="1500" b="1" dirty="0">
-                <a:solidFill>
-                  <a:schemeClr val="accent1"/>
-                </a:solidFill>
-              </a:rPr>
-              <a:t>Chat Generator Test Harness Overview</a:t>
+              <a:rPr lang="en-US" sz="1200" dirty="0"/>
+              <a:t>As part of a test framework team, I was solely tasked with building the following environment:</a:t>
             </a:r>
           </a:p>
           <a:p>
-            <a:pPr lvl="0" indent="-381000">
-              <a:buSzPts val="2400"/>
+            <a:pPr marL="228600" lvl="0" indent="-228600">
+              <a:buFont typeface="+mj-lt"/>
+              <a:buAutoNum type="arabicPeriod"/>
             </a:pPr>
             <a:r>
-              <a:rPr lang="en-US" sz="1500" b="1" dirty="0">
-                <a:solidFill>
-                  <a:schemeClr val="accent1"/>
-                </a:solidFill>
+              <a:rPr lang="en-US" sz="1200" dirty="0"/>
+              <a:t>A Contact Center (CC) chat generator development environment, capable of simulating up to 20k customer chat interactions with mock CC agents. </a:t>
+            </a:r>
+            <a:br>
+              <a:rPr lang="en-US" sz="1200" dirty="0"/>
+            </a:br>
+            <a:r>
+              <a:rPr lang="en-US" sz="1200" dirty="0">
+                <a:sym typeface="Wingdings" panose="05000000000000000000" pitchFamily="2" charset="2"/>
               </a:rPr>
-              <a:t>Project Demo</a:t>
+              <a:t> </a:t>
             </a:r>
-          </a:p>
-          <a:p>
-            <a:pPr lvl="0" indent="-381000">
-              <a:buSzPts val="2400"/>
+            <a:r>
+              <a:rPr lang="en-US" sz="1200" dirty="0"/>
+              <a:t>I chose to develop this generator using NodeJS.</a:t>
+            </a:r>
+          </a:p>
+          <a:p>
+            <a:pPr marL="228600" indent="-228600">
+              <a:buFont typeface="+mj-lt"/>
+              <a:buAutoNum type="arabicPeriod"/>
             </a:pPr>
             <a:r>
-              <a:rPr lang="en-US" sz="1500" b="1" dirty="0">
-                <a:solidFill>
-                  <a:schemeClr val="accent1"/>
-                </a:solidFill>
+              <a:rPr lang="en-US" sz="1200" dirty="0"/>
+              <a:t>A UI capable of driving the chat generator</a:t>
+            </a:r>
+            <a:br>
+              <a:rPr lang="en-US" sz="1200" dirty="0"/>
+            </a:br>
+            <a:r>
+              <a:rPr lang="en-US" sz="1200" dirty="0">
+                <a:sym typeface="Wingdings" panose="05000000000000000000" pitchFamily="2" charset="2"/>
               </a:rPr>
-              <a:t>Problems Encountered</a:t>
+              <a:t> </a:t>
             </a:r>
-          </a:p>
-          <a:p>
-            <a:pPr lvl="0" indent="-381000">
-              <a:buSzPts val="2400"/>
+            <a:r>
+              <a:rPr lang="en-US" sz="1200" dirty="0"/>
+              <a:t>I developed a React UI which is responsible for setting the test parameters, starting/stopping each test run, and providing live test statistics and resource usage of the chat generator</a:t>
+            </a:r>
+          </a:p>
+          <a:p>
+            <a:pPr marL="228600" lvl="0" indent="-228600">
+              <a:buFont typeface="+mj-lt"/>
+              <a:buAutoNum type="arabicPeriod"/>
             </a:pPr>
             <a:r>
-              <a:rPr lang="en-US" sz="1500" b="1" dirty="0">
-                <a:solidFill>
-                  <a:schemeClr val="accent1"/>
-                </a:solidFill>
+              <a:rPr lang="en-US" sz="1200" dirty="0"/>
+              <a:t>A recommended Continuous Integration /Continuous Deployment (CI/CD) pipeline to meet the business needs. </a:t>
+            </a:r>
+            <a:br>
+              <a:rPr lang="en-US" sz="1200" dirty="0"/>
+            </a:br>
+            <a:r>
+              <a:rPr lang="en-US" sz="1200" dirty="0">
+                <a:sym typeface="Wingdings" panose="05000000000000000000" pitchFamily="2" charset="2"/>
               </a:rPr>
-              <a:t>Future Work</a:t>
+              <a:t> </a:t>
             </a:r>
-          </a:p>
-          <a:p>
-            <a:pPr lvl="0" indent="-381000">
-              <a:buSzPts val="2400"/>
-            </a:pPr>
             <a:r>
-              <a:rPr lang="en-US" sz="1500" b="1" dirty="0">
-                <a:solidFill>
-                  <a:schemeClr val="accent1"/>
-                </a:solidFill>
-              </a:rPr>
-              <a:t>Questions</a:t>
+              <a:rPr lang="en-US" sz="1200" dirty="0"/>
+              <a:t>I built a Jenkins Server to automate the build and deployment of the chat generator and React applications into docker containers.</a:t>
             </a:r>
-          </a:p>
-          <a:p>
-            <a:pPr lvl="0" indent="-381000">
-              <a:buSzPts val="2400"/>
-            </a:pPr>
-            <a:endParaRPr lang="en-US" sz="1500" b="1" dirty="0">
-              <a:solidFill>
-                <a:schemeClr val="accent1"/>
-              </a:solidFill>
-            </a:endParaRPr>
+            <a:br>
+              <a:rPr lang="en-US" sz="1200" dirty="0"/>
+            </a:br>
+            <a:endParaRPr lang="en-US" sz="1200" dirty="0"/>
           </a:p>
         </p:txBody>
       </p:sp>
+      <p:pic>
+        <p:nvPicPr>
+          <p:cNvPr id="2" name="Picture 1">
+            <a:extLst>
+              <a:ext uri="{FF2B5EF4-FFF2-40B4-BE49-F238E27FC236}">
+                <a16:creationId xmlns:a16="http://schemas.microsoft.com/office/drawing/2014/main" id="{7F8CFFE1-3AEF-4AC4-881B-96B4686723E0}"/>
+              </a:ext>
+            </a:extLst>
+          </p:cNvPr>
+          <p:cNvPicPr>
+            <a:picLocks noChangeAspect="1"/>
+          </p:cNvPicPr>
+          <p:nvPr/>
+        </p:nvPicPr>
+        <p:blipFill>
+          <a:blip r:embed="rId3"/>
+          <a:stretch>
+            <a:fillRect/>
+          </a:stretch>
+        </p:blipFill>
+        <p:spPr>
+          <a:xfrm>
+            <a:off x="1454610" y="3516123"/>
+            <a:ext cx="6568888" cy="1393658"/>
+          </a:xfrm>
+          <a:prstGeom prst="rect">
+            <a:avLst/>
+          </a:prstGeom>
+        </p:spPr>
+      </p:pic>
     </p:spTree>
     <p:extLst>
       <p:ext uri="{BB962C8B-B14F-4D97-AF65-F5344CB8AC3E}">
-        <p14:creationId xmlns:p14="http://schemas.microsoft.com/office/powerpoint/2010/main" val="4014924433"/>
+        <p14:creationId xmlns:p14="http://schemas.microsoft.com/office/powerpoint/2010/main" val="2524660891"/>
       </p:ext>
     </p:extLst>
   </p:cSld>
@@ -7262,7 +7299,7 @@
           <a:p>
             <a:r>
               <a:rPr lang="en-IE" b="1" dirty="0"/>
-              <a:t>What is this project about exactly?</a:t>
+              <a:t>Agenda</a:t>
             </a:r>
             <a:endParaRPr lang="en-US" b="1" dirty="0"/>
           </a:p>
@@ -7312,10 +7349,10 @@
       </p:sp>
       <p:sp>
         <p:nvSpPr>
-          <p:cNvPr id="7" name="Google Shape;109;p17">
+          <p:cNvPr id="4" name="Google Shape;109;p17">
             <a:extLst>
               <a:ext uri="{FF2B5EF4-FFF2-40B4-BE49-F238E27FC236}">
-                <a16:creationId xmlns:a16="http://schemas.microsoft.com/office/drawing/2014/main" id="{DC8615DC-E469-47D1-B848-2CC4F1187F2B}"/>
+                <a16:creationId xmlns:a16="http://schemas.microsoft.com/office/drawing/2014/main" id="{E3B799E9-877D-4C1F-BFF6-FE529C49E570}"/>
               </a:ext>
             </a:extLst>
           </p:cNvPr>
@@ -7328,8 +7365,8 @@
         </p:nvSpPr>
         <p:spPr>
           <a:xfrm>
-            <a:off x="1165498" y="886690"/>
-            <a:ext cx="6858000" cy="3940804"/>
+            <a:off x="1478110" y="1249130"/>
+            <a:ext cx="4586933" cy="536808"/>
           </a:xfrm>
           <a:prstGeom prst="rect">
             <a:avLst/>
@@ -7341,50 +7378,86 @@
           </a:bodyPr>
           <a:lstStyle/>
           <a:p>
-            <a:pPr marL="0" lvl="0" indent="0">
-              <a:buNone/>
+            <a:pPr lvl="0" indent="-381000">
+              <a:buSzPts val="2400"/>
             </a:pPr>
             <a:r>
-              <a:rPr lang="en-US" sz="1200" dirty="0"/>
-              <a:t>A test framework team has been tasked with identifying a chat generator tool capable of simulating customer chat interactions with Contact Center (CC) agents. The project I have selected is to develop a test generator capable of simulating up to 20k customer chat interactions. The generator will first establish a session with the CC via several API calls and if successful will wait for an agent to answer their interaction. Once the agent answers, the generator will send a chat message and wait for the agent's response. This cycle will continue for a predefined number of loops (specified by the tester) before terminating the interaction.</a:t>
+              <a:rPr lang="en-US" sz="1500" b="1" dirty="0">
+                <a:solidFill>
+                  <a:schemeClr val="accent1"/>
+                </a:solidFill>
+              </a:rPr>
+              <a:t>Chat Generator Test Harness Overview</a:t>
             </a:r>
           </a:p>
           <a:p>
-            <a:pPr marL="0" lvl="0" indent="0">
-              <a:buNone/>
-            </a:pPr>
-            <a:endParaRPr lang="en-US" sz="1200" dirty="0"/>
-          </a:p>
-          <a:p>
-            <a:pPr marL="0" lvl="0" indent="0">
-              <a:buNone/>
+            <a:pPr lvl="0" indent="-381000">
+              <a:buSzPts val="2400"/>
             </a:pPr>
             <a:r>
-              <a:rPr lang="en-US" sz="1200" dirty="0"/>
-              <a:t>A React UI will be responsible for setting the test parameters, starting/stopping each test run, and providing live test statistics and resource usage of the chat generator</a:t>
+              <a:rPr lang="en-US" sz="1500" b="1" dirty="0">
+                <a:solidFill>
+                  <a:schemeClr val="accent1"/>
+                </a:solidFill>
+              </a:rPr>
+              <a:t>Project Demo</a:t>
             </a:r>
           </a:p>
           <a:p>
-            <a:pPr marL="0" lvl="0" indent="0">
-              <a:buNone/>
-            </a:pPr>
-            <a:endParaRPr lang="en-US" sz="1200" dirty="0"/>
-          </a:p>
-          <a:p>
-            <a:pPr marL="0" lvl="0" indent="0">
-              <a:buNone/>
+            <a:pPr lvl="0" indent="-381000">
+              <a:buSzPts val="2400"/>
             </a:pPr>
             <a:r>
-              <a:rPr lang="en-US" sz="1200" dirty="0"/>
-              <a:t>To complete the test environment, a Continuous Integration /Continuous Deployment (CI/CD) pipeline (Jenkins) will automate the build and deployment of the chat generator and React applications into docker containers, each time a change is pushed to a GitHub repository</a:t>
+              <a:rPr lang="en-US" sz="1500" b="1" dirty="0">
+                <a:solidFill>
+                  <a:schemeClr val="accent1"/>
+                </a:solidFill>
+              </a:rPr>
+              <a:t>Problems Encountered</a:t>
             </a:r>
+          </a:p>
+          <a:p>
+            <a:pPr lvl="0" indent="-381000">
+              <a:buSzPts val="2400"/>
+            </a:pPr>
+            <a:r>
+              <a:rPr lang="en-US" sz="1500" b="1" dirty="0">
+                <a:solidFill>
+                  <a:schemeClr val="accent1"/>
+                </a:solidFill>
+              </a:rPr>
+              <a:t>Future Work</a:t>
+            </a:r>
+          </a:p>
+          <a:p>
+            <a:pPr lvl="0" indent="-381000">
+              <a:buSzPts val="2400"/>
+            </a:pPr>
+            <a:r>
+              <a:rPr lang="en-US" sz="1500" b="1" dirty="0">
+                <a:solidFill>
+                  <a:schemeClr val="accent1"/>
+                </a:solidFill>
+              </a:rPr>
+              <a:t>Questions</a:t>
+            </a:r>
+          </a:p>
+          <a:p>
+            <a:pPr lvl="0" indent="-381000">
+              <a:buSzPts val="2400"/>
+            </a:pPr>
+            <a:endParaRPr lang="en-US" sz="1500" b="1" dirty="0">
+              <a:solidFill>
+                <a:schemeClr val="accent1"/>
+              </a:solidFill>
+            </a:endParaRPr>
           </a:p>
         </p:txBody>
       </p:sp>
     </p:spTree>
     <p:extLst>
       <p:ext uri="{BB962C8B-B14F-4D97-AF65-F5344CB8AC3E}">
-        <p14:creationId xmlns:p14="http://schemas.microsoft.com/office/powerpoint/2010/main" val="2524660891"/>
+        <p14:creationId xmlns:p14="http://schemas.microsoft.com/office/powerpoint/2010/main" val="4014924433"/>
       </p:ext>
     </p:extLst>
   </p:cSld>

--- a/Dermot_Sheerin.pptx
+++ b/Dermot_Sheerin.pptx
@@ -7116,8 +7116,8 @@
         </p:nvSpPr>
         <p:spPr>
           <a:xfrm>
-            <a:off x="1165498" y="886690"/>
-            <a:ext cx="6858000" cy="3940804"/>
+            <a:off x="1165498" y="886689"/>
+            <a:ext cx="6858000" cy="4180741"/>
           </a:xfrm>
           <a:prstGeom prst="rect">
             <a:avLst/>
@@ -7134,7 +7134,7 @@
             </a:pPr>
             <a:r>
               <a:rPr lang="en-US" sz="1200" dirty="0"/>
-              <a:t>As part of a test framework team, I was solely tasked with building the following environment:</a:t>
+              <a:t>As part of a test framework team in my workplace, I was solely tasked with building the following environment to meet the business needs:</a:t>
             </a:r>
           </a:p>
           <a:p>
@@ -7190,7 +7190,7 @@
             </a:pPr>
             <a:r>
               <a:rPr lang="en-US" sz="1200" dirty="0"/>
-              <a:t>A recommended Continuous Integration /Continuous Deployment (CI/CD) pipeline to meet the business needs. </a:t>
+              <a:t>A recommended Continuous Integration /Continuous Deployment (CI/CD) pipeline. </a:t>
             </a:r>
             <a:br>
               <a:rPr lang="en-US" sz="1200" dirty="0"/>
@@ -7234,7 +7234,7 @@
         </p:blipFill>
         <p:spPr>
           <a:xfrm>
-            <a:off x="1454610" y="3516123"/>
+            <a:off x="1454610" y="3623700"/>
             <a:ext cx="6568888" cy="1393658"/>
           </a:xfrm>
           <a:prstGeom prst="rect">
